--- a/PAGE Components.pptx
+++ b/PAGE Components.pptx
@@ -3349,7 +3349,7 @@
         </p:nvSpPr>
         <p:spPr>
           <a:xfrm>
-            <a:off x="1052586" y="5286905"/>
+            <a:off x="1052586" y="5459095"/>
             <a:ext cx="2291787" cy="707886"/>
           </a:xfrm>
           <a:prstGeom prst="rect">
@@ -3380,52 +3380,21 @@
                   <a:srgbClr val="FF0000"/>
                 </a:solidFill>
               </a:rPr>
-              <a:t>SFX, SE ,PSE</a:t>
-            </a:r>
-          </a:p>
-        </p:txBody>
-      </p:sp>
-      <p:sp>
-        <p:nvSpPr>
-          <p:cNvPr id="23" name="TextBox 22"/>
-          <p:cNvSpPr txBox="1"/>
-          <p:nvPr/>
-        </p:nvSpPr>
-        <p:spPr>
-          <a:xfrm>
-            <a:off x="4924114" y="5133944"/>
-            <a:ext cx="2291787" cy="1015663"/>
-          </a:xfrm>
-          <a:prstGeom prst="rect">
-            <a:avLst/>
-          </a:prstGeom>
-          <a:noFill/>
-          <a:ln w="19050">
-            <a:solidFill>
-              <a:srgbClr val="002060"/>
-            </a:solidFill>
-          </a:ln>
-        </p:spPr>
-        <p:txBody>
-          <a:bodyPr wrap="square" rtlCol="0">
-            <a:spAutoFit/>
-          </a:bodyPr>
-          <a:lstStyle/>
-          <a:p>
-            <a:r>
-              <a:rPr lang="en-US" sz="2000" dirty="0"/>
-              <a:t>Sulfate Concentration</a:t>
-            </a:r>
-          </a:p>
-          <a:p>
-            <a:r>
-              <a:rPr lang="en-US" sz="2000" dirty="0">
+              <a:t>SFX, SE ,</a:t>
+            </a:r>
+            <a:r>
+              <a:rPr lang="en-US" sz="2000" dirty="0" smtClean="0">
                 <a:solidFill>
                   <a:srgbClr val="FF0000"/>
                 </a:solidFill>
               </a:rPr>
-              <a:t>FSD</a:t>
-            </a:r>
+              <a:t>PSE, NF</a:t>
+            </a:r>
+            <a:endParaRPr lang="en-US" sz="2000" dirty="0">
+              <a:solidFill>
+                <a:srgbClr val="FF0000"/>
+              </a:solidFill>
+            </a:endParaRPr>
           </a:p>
         </p:txBody>
       </p:sp>
@@ -3528,7 +3497,7 @@
         <p:spPr>
           <a:xfrm>
             <a:off x="12735788" y="1579687"/>
-            <a:ext cx="2291787" cy="1323439"/>
+            <a:ext cx="2291787" cy="1015663"/>
           </a:xfrm>
           <a:prstGeom prst="rect">
             <a:avLst/>
@@ -3558,7 +3527,39 @@
                   <a:srgbClr val="FF0000"/>
                 </a:solidFill>
               </a:rPr>
-              <a:t>RT, F, FSLOPE, OVER, FT, EXF, ET, SENS, OCEAN, GRT</a:t>
+              <a:t>FT</a:t>
+            </a:r>
+            <a:r>
+              <a:rPr lang="en-US" sz="2000" dirty="0" smtClean="0">
+                <a:solidFill>
+                  <a:srgbClr val="FF0000"/>
+                </a:solidFill>
+              </a:rPr>
+              <a:t>, RT</a:t>
+            </a:r>
+            <a:r>
+              <a:rPr lang="en-US" sz="2000" dirty="0">
+                <a:solidFill>
+                  <a:srgbClr val="FF0000"/>
+                </a:solidFill>
+              </a:rPr>
+              <a:t>, </a:t>
+            </a:r>
+            <a:r>
+              <a:rPr lang="en-US" sz="2000" dirty="0" smtClean="0">
+                <a:solidFill>
+                  <a:srgbClr val="FF0000"/>
+                </a:solidFill>
+              </a:rPr>
+              <a:t>EXF</a:t>
+            </a:r>
+            <a:r>
+              <a:rPr lang="en-US" sz="2000" dirty="0">
+                <a:solidFill>
+                  <a:srgbClr val="FF0000"/>
+                </a:solidFill>
+              </a:rPr>
+              <a:t>, ET, SENS, OCEAN, GRT</a:t>
             </a:r>
           </a:p>
         </p:txBody>
@@ -3665,7 +3666,7 @@
         </p:nvSpPr>
         <p:spPr>
           <a:xfrm>
-            <a:off x="19931464" y="5788390"/>
+            <a:off x="19888414" y="5788390"/>
             <a:ext cx="2291787" cy="1015663"/>
           </a:xfrm>
           <a:prstGeom prst="rect">
@@ -3797,7 +3798,7 @@
         </p:nvSpPr>
         <p:spPr>
           <a:xfrm>
-            <a:off x="21482613" y="4069298"/>
+            <a:off x="21331938" y="4069298"/>
             <a:ext cx="2291787" cy="707886"/>
           </a:xfrm>
           <a:prstGeom prst="rect">
@@ -3937,9 +3938,9 @@
           <p:nvPr/>
         </p:nvCxnSpPr>
         <p:spPr>
-          <a:xfrm>
-            <a:off x="10660485" y="2203702"/>
-            <a:ext cx="1273400" cy="9739"/>
+          <a:xfrm flipV="1">
+            <a:off x="10660485" y="2213441"/>
+            <a:ext cx="1273400" cy="144150"/>
           </a:xfrm>
           <a:prstGeom prst="bentConnector3">
             <a:avLst>
@@ -4080,14 +4081,14 @@
           <p:cNvPr id="61" name="Elbow Connector 60"/>
           <p:cNvCxnSpPr>
             <a:stCxn id="20" idx="3"/>
-            <a:endCxn id="23" idx="1"/>
+            <a:endCxn id="197" idx="1"/>
           </p:cNvCxnSpPr>
           <p:nvPr/>
         </p:nvCxnSpPr>
         <p:spPr>
-          <a:xfrm>
-            <a:off x="3344373" y="5640848"/>
-            <a:ext cx="1579741" cy="928"/>
+          <a:xfrm flipV="1">
+            <a:off x="3344373" y="5799656"/>
+            <a:ext cx="5130226" cy="13382"/>
           </a:xfrm>
           <a:prstGeom prst="bentConnector3">
             <a:avLst/>
@@ -4159,9 +4160,9 @@
           <p:nvPr/>
         </p:nvCxnSpPr>
         <p:spPr>
-          <a:xfrm>
-            <a:off x="12204444" y="2240699"/>
-            <a:ext cx="531344" cy="708"/>
+          <a:xfrm flipV="1">
+            <a:off x="12204444" y="2087519"/>
+            <a:ext cx="531344" cy="153180"/>
           </a:xfrm>
           <a:prstGeom prst="bentConnector3">
             <a:avLst>
@@ -4198,8 +4199,8 @@
         </p:nvCxnSpPr>
         <p:spPr>
           <a:xfrm rot="16200000" flipH="1">
-            <a:off x="13422771" y="3362036"/>
-            <a:ext cx="3210574" cy="2292753"/>
+            <a:off x="13268883" y="3208148"/>
+            <a:ext cx="3518350" cy="2292753"/>
           </a:xfrm>
           <a:prstGeom prst="bentConnector2">
             <a:avLst/>
@@ -4234,8 +4235,8 @@
         </p:nvCxnSpPr>
         <p:spPr>
           <a:xfrm>
-            <a:off x="15027575" y="2241407"/>
-            <a:ext cx="1196054" cy="2457453"/>
+            <a:off x="15027575" y="2087519"/>
+            <a:ext cx="1196054" cy="2611341"/>
           </a:xfrm>
           <a:prstGeom prst="bentConnector3">
             <a:avLst>
@@ -4271,9 +4272,9 @@
           <p:nvPr/>
         </p:nvCxnSpPr>
         <p:spPr>
-          <a:xfrm flipV="1">
-            <a:off x="15027575" y="2240232"/>
-            <a:ext cx="1196053" cy="1175"/>
+          <a:xfrm>
+            <a:off x="15027575" y="2087519"/>
+            <a:ext cx="1196053" cy="152713"/>
           </a:xfrm>
           <a:prstGeom prst="bentConnector3">
             <a:avLst>
@@ -4422,8 +4423,8 @@
         </p:nvCxnSpPr>
         <p:spPr>
           <a:xfrm rot="16200000" flipH="1">
-            <a:off x="18930334" y="3641366"/>
-            <a:ext cx="4241988" cy="52060"/>
+            <a:off x="18908809" y="3662891"/>
+            <a:ext cx="4241988" cy="9010"/>
           </a:xfrm>
           <a:prstGeom prst="bentConnector3">
             <a:avLst>
@@ -4461,11 +4462,11 @@
         <p:spPr>
           <a:xfrm>
             <a:off x="18515416" y="4698860"/>
-            <a:ext cx="2561942" cy="2105193"/>
+            <a:ext cx="2518892" cy="2105193"/>
           </a:xfrm>
           <a:prstGeom prst="bentConnector4">
             <a:avLst>
-              <a:gd name="adj1" fmla="val 27636"/>
+              <a:gd name="adj1" fmla="val 27254"/>
               <a:gd name="adj2" fmla="val 110859"/>
             </a:avLst>
           </a:prstGeom>
@@ -4499,8 +4500,8 @@
         </p:nvCxnSpPr>
         <p:spPr>
           <a:xfrm rot="16200000" flipH="1">
-            <a:off x="20565454" y="2006245"/>
-            <a:ext cx="2522896" cy="1603209"/>
+            <a:off x="20490117" y="2081583"/>
+            <a:ext cx="2522896" cy="1452534"/>
           </a:xfrm>
           <a:prstGeom prst="bentConnector3">
             <a:avLst>
@@ -4577,11 +4578,11 @@
         <p:spPr>
           <a:xfrm flipV="1">
             <a:off x="18466222" y="4069298"/>
-            <a:ext cx="4162285" cy="2044402"/>
+            <a:ext cx="4011610" cy="2044402"/>
           </a:xfrm>
           <a:prstGeom prst="bentConnector4">
             <a:avLst>
-              <a:gd name="adj1" fmla="val 36235"/>
+              <a:gd name="adj1" fmla="val 30352"/>
               <a:gd name="adj2" fmla="val 111182"/>
             </a:avLst>
           </a:prstGeom>
@@ -4651,7 +4652,7 @@
         <p:spPr>
           <a:xfrm>
             <a:off x="8474599" y="5291824"/>
-            <a:ext cx="2291787" cy="707886"/>
+            <a:ext cx="2291787" cy="1015663"/>
           </a:xfrm>
           <a:prstGeom prst="rect">
             <a:avLst/>
@@ -4675,17 +4676,31 @@
             </a:r>
             <a:r>
               <a:rPr lang="en-US" sz="2000" dirty="0" err="1" smtClean="0"/>
-              <a:t>Radiativ</a:t>
-            </a:r>
-            <a:r>
-              <a:rPr lang="en-US" sz="2000" dirty="0" err="1" smtClean="0"/>
-              <a:t>e</a:t>
+              <a:t>Radiative</a:t>
             </a:r>
             <a:r>
               <a:rPr lang="en-US" sz="2000" dirty="0" smtClean="0"/>
-              <a:t> forcing</a:t>
-            </a:r>
-            <a:endParaRPr lang="en-US" sz="2000" dirty="0"/>
+              <a:t> </a:t>
+            </a:r>
+            <a:r>
+              <a:rPr lang="en-US" sz="2000" dirty="0" smtClean="0"/>
+              <a:t>forcing</a:t>
+            </a:r>
+          </a:p>
+          <a:p>
+            <a:r>
+              <a:rPr lang="en-US" sz="2000" dirty="0" smtClean="0">
+                <a:solidFill>
+                  <a:srgbClr val="FF0000"/>
+                </a:solidFill>
+              </a:rPr>
+              <a:t>FS, D, IND</a:t>
+            </a:r>
+            <a:endParaRPr lang="en-US" sz="2000" dirty="0">
+              <a:solidFill>
+                <a:srgbClr val="FF0000"/>
+              </a:solidFill>
+            </a:endParaRPr>
           </a:p>
         </p:txBody>
       </p:sp>
@@ -4727,42 +4742,6 @@
           </a:fontRef>
         </p:style>
       </p:cxnSp>
-      <p:cxnSp>
-        <p:nvCxnSpPr>
-          <p:cNvPr id="215" name="Elbow Connector 214"/>
-          <p:cNvCxnSpPr>
-            <a:stCxn id="23" idx="3"/>
-            <a:endCxn id="197" idx="1"/>
-          </p:cNvCxnSpPr>
-          <p:nvPr/>
-        </p:nvCxnSpPr>
-        <p:spPr>
-          <a:xfrm>
-            <a:off x="7215901" y="5641776"/>
-            <a:ext cx="1258698" cy="3991"/>
-          </a:xfrm>
-          <a:prstGeom prst="bentConnector3">
-            <a:avLst/>
-          </a:prstGeom>
-          <a:ln>
-            <a:tailEnd type="arrow"/>
-          </a:ln>
-        </p:spPr>
-        <p:style>
-          <a:lnRef idx="2">
-            <a:schemeClr val="accent1"/>
-          </a:lnRef>
-          <a:fillRef idx="0">
-            <a:schemeClr val="accent1"/>
-          </a:fillRef>
-          <a:effectRef idx="1">
-            <a:schemeClr val="accent1"/>
-          </a:effectRef>
-          <a:fontRef idx="minor">
-            <a:schemeClr val="tx1"/>
-          </a:fontRef>
-        </p:style>
-      </p:cxnSp>
       <p:sp>
         <p:nvSpPr>
           <p:cNvPr id="216" name="TextBox 215"/>
@@ -4772,7 +4751,7 @@
         <p:spPr>
           <a:xfrm>
             <a:off x="8368698" y="1849759"/>
-            <a:ext cx="2291787" cy="707886"/>
+            <a:ext cx="2291787" cy="1015663"/>
           </a:xfrm>
           <a:prstGeom prst="rect">
             <a:avLst/>
@@ -4800,17 +4779,31 @@
             </a:r>
             <a:r>
               <a:rPr lang="en-US" sz="2000" dirty="0" err="1" smtClean="0"/>
-              <a:t>Radiativ</a:t>
-            </a:r>
-            <a:r>
-              <a:rPr lang="en-US" sz="2000" dirty="0" err="1" smtClean="0"/>
-              <a:t>e</a:t>
+              <a:t>Radiative</a:t>
             </a:r>
             <a:r>
               <a:rPr lang="en-US" sz="2000" dirty="0" smtClean="0"/>
-              <a:t> forcing</a:t>
-            </a:r>
-            <a:endParaRPr lang="en-US" sz="2000" dirty="0"/>
+              <a:t> </a:t>
+            </a:r>
+            <a:r>
+              <a:rPr lang="en-US" sz="2000" dirty="0" smtClean="0"/>
+              <a:t>forcing</a:t>
+            </a:r>
+          </a:p>
+          <a:p>
+            <a:r>
+              <a:rPr lang="en-US" sz="2000" dirty="0" smtClean="0">
+                <a:solidFill>
+                  <a:srgbClr val="FF0000"/>
+                </a:solidFill>
+              </a:rPr>
+              <a:t>F, FSLOPE, OVER</a:t>
+            </a:r>
+            <a:endParaRPr lang="en-US" sz="2000" dirty="0">
+              <a:solidFill>
+                <a:srgbClr val="FF0000"/>
+              </a:solidFill>
+            </a:endParaRPr>
           </a:p>
         </p:txBody>
       </p:sp>
@@ -4826,7 +4819,7 @@
         <p:spPr>
           <a:xfrm>
             <a:off x="7320655" y="2203459"/>
-            <a:ext cx="1048043" cy="243"/>
+            <a:ext cx="1048043" cy="154132"/>
           </a:xfrm>
           <a:prstGeom prst="bentConnector3">
             <a:avLst/>
@@ -5118,7 +5111,7 @@
   <a:extraClrSchemeLst/>
   <a:extLst>
     <a:ext uri="{05A4C25C-085E-4340-85A3-A5531E510DB2}">
-      <thm15:themeFamily xmlns:thm15="http://schemas.microsoft.com/office/thememl/2012/main" xmlns="" name="Office Theme" id="{62F939B6-93AF-4DB8-9C6B-D6C7DFDC589F}" vid="{4A3C46E8-61CC-4603-A589-7422A47A8E4A}"/>
+      <thm15:themeFamily xmlns="" xmlns:thm15="http://schemas.microsoft.com/office/thememl/2012/main" name="Office Theme" id="{62F939B6-93AF-4DB8-9C6B-D6C7DFDC589F}" vid="{4A3C46E8-61CC-4603-A589-7422A47A8E4A}"/>
     </a:ext>
   </a:extLst>
 </a:theme>

--- a/PAGE Components.pptx
+++ b/PAGE Components.pptx
@@ -104,6 +104,22 @@
       </a:defRPr>
     </a:lvl9pPr>
   </p:defaultTextStyle>
+  <p:extLst>
+    <p:ext uri="{EFAFB233-063F-42B5-8137-9DF3F51BA10A}">
+      <p15:sldGuideLst xmlns:p15="http://schemas.microsoft.com/office/powerpoint/2012/main">
+        <p15:guide id="1" orient="horz" pos="4320">
+          <p15:clr>
+            <a:srgbClr val="A4A3A4"/>
+          </p15:clr>
+        </p15:guide>
+        <p15:guide id="2" pos="7488">
+          <p15:clr>
+            <a:srgbClr val="A4A3A4"/>
+          </p15:clr>
+        </p15:guide>
+      </p15:sldGuideLst>
+    </p:ext>
+  </p:extLst>
 </p:presentation>
 </file>
 
@@ -238,7 +254,7 @@
           <a:p>
             <a:fld id="{4F966ABF-DECE-4223-9985-F705B8EF8522}" type="datetimeFigureOut">
               <a:rPr lang="en-US" smtClean="0"/>
-              <a:t>6/28/16</a:t>
+              <a:t>9/19/2016</a:t>
             </a:fld>
             <a:endParaRPr lang="en-US"/>
           </a:p>
@@ -408,7 +424,7 @@
           <a:p>
             <a:fld id="{4F966ABF-DECE-4223-9985-F705B8EF8522}" type="datetimeFigureOut">
               <a:rPr lang="en-US" smtClean="0"/>
-              <a:t>6/28/16</a:t>
+              <a:t>9/19/2016</a:t>
             </a:fld>
             <a:endParaRPr lang="en-US"/>
           </a:p>
@@ -588,7 +604,7 @@
           <a:p>
             <a:fld id="{4F966ABF-DECE-4223-9985-F705B8EF8522}" type="datetimeFigureOut">
               <a:rPr lang="en-US" smtClean="0"/>
-              <a:t>6/28/16</a:t>
+              <a:t>9/19/2016</a:t>
             </a:fld>
             <a:endParaRPr lang="en-US"/>
           </a:p>
@@ -758,7 +774,7 @@
           <a:p>
             <a:fld id="{4F966ABF-DECE-4223-9985-F705B8EF8522}" type="datetimeFigureOut">
               <a:rPr lang="en-US" smtClean="0"/>
-              <a:t>6/28/16</a:t>
+              <a:t>9/19/2016</a:t>
             </a:fld>
             <a:endParaRPr lang="en-US"/>
           </a:p>
@@ -1004,7 +1020,7 @@
           <a:p>
             <a:fld id="{4F966ABF-DECE-4223-9985-F705B8EF8522}" type="datetimeFigureOut">
               <a:rPr lang="en-US" smtClean="0"/>
-              <a:t>6/28/16</a:t>
+              <a:t>9/19/2016</a:t>
             </a:fld>
             <a:endParaRPr lang="en-US"/>
           </a:p>
@@ -1236,7 +1252,7 @@
           <a:p>
             <a:fld id="{4F966ABF-DECE-4223-9985-F705B8EF8522}" type="datetimeFigureOut">
               <a:rPr lang="en-US" smtClean="0"/>
-              <a:t>6/28/16</a:t>
+              <a:t>9/19/2016</a:t>
             </a:fld>
             <a:endParaRPr lang="en-US"/>
           </a:p>
@@ -1603,7 +1619,7 @@
           <a:p>
             <a:fld id="{4F966ABF-DECE-4223-9985-F705B8EF8522}" type="datetimeFigureOut">
               <a:rPr lang="en-US" smtClean="0"/>
-              <a:t>6/28/16</a:t>
+              <a:t>9/19/2016</a:t>
             </a:fld>
             <a:endParaRPr lang="en-US"/>
           </a:p>
@@ -1721,7 +1737,7 @@
           <a:p>
             <a:fld id="{4F966ABF-DECE-4223-9985-F705B8EF8522}" type="datetimeFigureOut">
               <a:rPr lang="en-US" smtClean="0"/>
-              <a:t>6/28/16</a:t>
+              <a:t>9/19/2016</a:t>
             </a:fld>
             <a:endParaRPr lang="en-US"/>
           </a:p>
@@ -1816,7 +1832,7 @@
           <a:p>
             <a:fld id="{4F966ABF-DECE-4223-9985-F705B8EF8522}" type="datetimeFigureOut">
               <a:rPr lang="en-US" smtClean="0"/>
-              <a:t>6/28/16</a:t>
+              <a:t>9/19/2016</a:t>
             </a:fld>
             <a:endParaRPr lang="en-US"/>
           </a:p>
@@ -2093,7 +2109,7 @@
           <a:p>
             <a:fld id="{4F966ABF-DECE-4223-9985-F705B8EF8522}" type="datetimeFigureOut">
               <a:rPr lang="en-US" smtClean="0"/>
-              <a:t>6/28/16</a:t>
+              <a:t>9/19/2016</a:t>
             </a:fld>
             <a:endParaRPr lang="en-US"/>
           </a:p>
@@ -2350,7 +2366,7 @@
           <a:p>
             <a:fld id="{4F966ABF-DECE-4223-9985-F705B8EF8522}" type="datetimeFigureOut">
               <a:rPr lang="en-US" smtClean="0"/>
-              <a:t>6/28/16</a:t>
+              <a:t>9/19/2016</a:t>
             </a:fld>
             <a:endParaRPr lang="en-US"/>
           </a:p>
@@ -2563,7 +2579,7 @@
           <a:p>
             <a:fld id="{4F966ABF-DECE-4223-9985-F705B8EF8522}" type="datetimeFigureOut">
               <a:rPr lang="en-US" smtClean="0"/>
-              <a:t>6/28/16</a:t>
+              <a:t>9/19/2016</a:t>
             </a:fld>
             <a:endParaRPr lang="en-US"/>
           </a:p>
@@ -2982,7 +2998,9 @@
           <a:prstGeom prst="rect">
             <a:avLst/>
           </a:prstGeom>
-          <a:noFill/>
+          <a:solidFill>
+            <a:schemeClr val="accent6"/>
+          </a:solidFill>
           <a:ln w="19050">
             <a:solidFill>
               <a:srgbClr val="002060"/>
@@ -3034,7 +3052,9 @@
           <a:prstGeom prst="rect">
             <a:avLst/>
           </a:prstGeom>
-          <a:noFill/>
+          <a:solidFill>
+            <a:schemeClr val="accent6"/>
+          </a:solidFill>
           <a:ln w="19050">
             <a:solidFill>
               <a:srgbClr val="002060"/>
@@ -3253,7 +3273,9 @@
           <a:prstGeom prst="rect">
             <a:avLst/>
           </a:prstGeom>
-          <a:noFill/>
+          <a:solidFill>
+            <a:schemeClr val="accent6"/>
+          </a:solidFill>
           <a:ln w="19050">
             <a:solidFill>
               <a:srgbClr val="002060"/>
@@ -3355,7 +3377,9 @@
           <a:prstGeom prst="rect">
             <a:avLst/>
           </a:prstGeom>
-          <a:noFill/>
+          <a:solidFill>
+            <a:schemeClr val="accent6"/>
+          </a:solidFill>
           <a:ln w="19050">
             <a:solidFill>
               <a:srgbClr val="002060"/>
@@ -3502,7 +3526,9 @@
           <a:prstGeom prst="rect">
             <a:avLst/>
           </a:prstGeom>
-          <a:noFill/>
+          <a:solidFill>
+            <a:schemeClr val="accent6"/>
+          </a:solidFill>
           <a:ln w="19050">
             <a:solidFill>
               <a:srgbClr val="002060"/>
@@ -3592,9 +3618,10 @@
           <a:lstStyle/>
           <a:p>
             <a:r>
-              <a:rPr lang="en-US" sz="2000" dirty="0"/>
-              <a:t>Tolerability</a:t>
-            </a:r>
+              <a:rPr lang="en-US" sz="2000" dirty="0" smtClean="0"/>
+              <a:t>Tolerability NL</a:t>
+            </a:r>
+            <a:endParaRPr lang="en-US" sz="2000" dirty="0"/>
           </a:p>
           <a:p>
             <a:r>
@@ -3636,8 +3663,8 @@
           <a:lstStyle/>
           <a:p>
             <a:r>
-              <a:rPr lang="en-US" sz="2000" dirty="0"/>
-              <a:t>Discontinuity</a:t>
+              <a:rPr lang="en-US" sz="2000" dirty="0" smtClean="0"/>
+              <a:t>Discontinuity CS</a:t>
             </a:r>
             <a:endParaRPr lang="en-US" sz="2000" dirty="0">
               <a:solidFill>
@@ -3687,8 +3714,13 @@
           <a:p>
             <a:r>
               <a:rPr lang="en-US" sz="2000" dirty="0"/>
-              <a:t>Adaptation Costs</a:t>
-            </a:r>
+              <a:t>Adaptation </a:t>
+            </a:r>
+            <a:r>
+              <a:rPr lang="en-US" sz="2000" dirty="0" smtClean="0"/>
+              <a:t>Costs JR</a:t>
+            </a:r>
+            <a:endParaRPr lang="en-US" sz="2000" dirty="0"/>
           </a:p>
           <a:p>
             <a:r>
@@ -3712,6 +3744,52 @@
           <a:xfrm>
             <a:off x="16223628" y="1732400"/>
             <a:ext cx="2291787" cy="1015663"/>
+          </a:xfrm>
+          <a:prstGeom prst="rect">
+            <a:avLst/>
+          </a:prstGeom>
+          <a:solidFill>
+            <a:schemeClr val="accent6"/>
+          </a:solidFill>
+          <a:ln w="19050">
+            <a:solidFill>
+              <a:srgbClr val="002060"/>
+            </a:solidFill>
+          </a:ln>
+        </p:spPr>
+        <p:txBody>
+          <a:bodyPr wrap="square" rtlCol="0">
+            <a:spAutoFit/>
+          </a:bodyPr>
+          <a:lstStyle/>
+          <a:p>
+            <a:r>
+              <a:rPr lang="en-US" sz="2000" dirty="0"/>
+              <a:t>Sea Level Rise</a:t>
+            </a:r>
+          </a:p>
+          <a:p>
+            <a:r>
+              <a:rPr lang="en-US" sz="2000" dirty="0">
+                <a:solidFill>
+                  <a:srgbClr val="FF0000"/>
+                </a:solidFill>
+              </a:rPr>
+              <a:t>SLTEMP, ES, EXPFS, SLA, SLTAU</a:t>
+            </a:r>
+          </a:p>
+        </p:txBody>
+      </p:sp>
+      <p:sp>
+        <p:nvSpPr>
+          <p:cNvPr id="65" name="TextBox 64"/>
+          <p:cNvSpPr txBox="1"/>
+          <p:nvPr/>
+        </p:nvSpPr>
+        <p:spPr>
+          <a:xfrm>
+            <a:off x="16170945" y="667903"/>
+            <a:ext cx="2291787" cy="707886"/>
           </a:xfrm>
           <a:prstGeom prst="rect">
             <a:avLst/>
@@ -3730,9 +3808,10 @@
           <a:lstStyle/>
           <a:p>
             <a:r>
-              <a:rPr lang="en-US" sz="2000" dirty="0"/>
-              <a:t>Sea Level Rise</a:t>
-            </a:r>
+              <a:rPr lang="en-US" sz="2000" dirty="0" smtClean="0"/>
+              <a:t>GDP VV</a:t>
+            </a:r>
+            <a:endParaRPr lang="en-US" sz="2000" dirty="0"/>
           </a:p>
           <a:p>
             <a:r>
@@ -3741,20 +3820,20 @@
                   <a:srgbClr val="FF0000"/>
                 </a:solidFill>
               </a:rPr>
-              <a:t>SLTEMP, ES, EXPFS, SLA, SLTAU</a:t>
-            </a:r>
-          </a:p>
-        </p:txBody>
-      </p:sp>
-      <p:sp>
-        <p:nvSpPr>
-          <p:cNvPr id="65" name="TextBox 64"/>
+              <a:t>GDP, GRW</a:t>
+            </a:r>
+          </a:p>
+        </p:txBody>
+      </p:sp>
+      <p:sp>
+        <p:nvSpPr>
+          <p:cNvPr id="70" name="TextBox 69"/>
           <p:cNvSpPr txBox="1"/>
           <p:nvPr/>
         </p:nvSpPr>
         <p:spPr>
           <a:xfrm>
-            <a:off x="16170945" y="667903"/>
+            <a:off x="21331938" y="4069298"/>
             <a:ext cx="2291787" cy="707886"/>
           </a:xfrm>
           <a:prstGeom prst="rect">
@@ -3775,7 +3854,7 @@
           <a:p>
             <a:r>
               <a:rPr lang="en-US" sz="2000" dirty="0"/>
-              <a:t>GDP</a:t>
+              <a:t>Total Impacts</a:t>
             </a:r>
           </a:p>
           <a:p>
@@ -3785,21 +3864,21 @@
                   <a:srgbClr val="FF0000"/>
                 </a:solidFill>
               </a:rPr>
-              <a:t>GDP, GRW</a:t>
-            </a:r>
-          </a:p>
-        </p:txBody>
-      </p:sp>
-      <p:sp>
-        <p:nvSpPr>
-          <p:cNvPr id="70" name="TextBox 69"/>
+              <a:t>AD, DD, WIT</a:t>
+            </a:r>
+          </a:p>
+        </p:txBody>
+      </p:sp>
+      <p:sp>
+        <p:nvSpPr>
+          <p:cNvPr id="87" name="TextBox 86"/>
           <p:cNvSpPr txBox="1"/>
           <p:nvPr/>
         </p:nvSpPr>
         <p:spPr>
           <a:xfrm>
-            <a:off x="21331938" y="4069298"/>
-            <a:ext cx="2291787" cy="707886"/>
+            <a:off x="19879404" y="530739"/>
+            <a:ext cx="2291787" cy="1015663"/>
           </a:xfrm>
           <a:prstGeom prst="rect">
             <a:avLst/>
@@ -3819,7 +3898,7 @@
           <a:p>
             <a:r>
               <a:rPr lang="en-US" sz="2000" dirty="0"/>
-              <a:t>Total Impacts</a:t>
+              <a:t>Damages</a:t>
             </a:r>
           </a:p>
           <a:p>
@@ -3829,21 +3908,21 @@
                   <a:srgbClr val="FF0000"/>
                 </a:solidFill>
               </a:rPr>
-              <a:t>AD, DD, WIT</a:t>
-            </a:r>
-          </a:p>
-        </p:txBody>
-      </p:sp>
-      <p:sp>
-        <p:nvSpPr>
-          <p:cNvPr id="87" name="TextBox 86"/>
+              <a:t>W, WF, WDIS, WI, POW, IMP</a:t>
+            </a:r>
+          </a:p>
+        </p:txBody>
+      </p:sp>
+      <p:sp>
+        <p:nvSpPr>
+          <p:cNvPr id="96" name="TextBox 95"/>
           <p:cNvSpPr txBox="1"/>
           <p:nvPr/>
         </p:nvSpPr>
         <p:spPr>
           <a:xfrm>
-            <a:off x="19879404" y="530739"/>
-            <a:ext cx="2291787" cy="1015663"/>
+            <a:off x="19913757" y="8250809"/>
+            <a:ext cx="2564075" cy="1323439"/>
           </a:xfrm>
           <a:prstGeom prst="rect">
             <a:avLst/>
@@ -3863,51 +3942,11 @@
           <a:p>
             <a:r>
               <a:rPr lang="en-US" sz="2000" dirty="0"/>
-              <a:t>Damages</a:t>
-            </a:r>
-          </a:p>
-          <a:p>
-            <a:r>
-              <a:rPr lang="en-US" sz="2000" dirty="0">
-                <a:solidFill>
-                  <a:srgbClr val="FF0000"/>
-                </a:solidFill>
-              </a:rPr>
-              <a:t>W, WF, WDIS, WI, POW, IMP</a:t>
-            </a:r>
-          </a:p>
-        </p:txBody>
-      </p:sp>
-      <p:sp>
-        <p:nvSpPr>
-          <p:cNvPr id="96" name="TextBox 95"/>
-          <p:cNvSpPr txBox="1"/>
-          <p:nvPr/>
-        </p:nvSpPr>
-        <p:spPr>
-          <a:xfrm>
-            <a:off x="19913757" y="8250809"/>
-            <a:ext cx="2291787" cy="1323439"/>
-          </a:xfrm>
-          <a:prstGeom prst="rect">
-            <a:avLst/>
-          </a:prstGeom>
-          <a:noFill/>
-          <a:ln w="19050">
-            <a:solidFill>
-              <a:srgbClr val="002060"/>
-            </a:solidFill>
-          </a:ln>
-        </p:spPr>
-        <p:txBody>
-          <a:bodyPr wrap="square" rtlCol="0">
-            <a:spAutoFit/>
-          </a:bodyPr>
-          <a:lstStyle/>
-          <a:p>
-            <a:r>
-              <a:rPr lang="en-US" sz="2000" dirty="0"/>
-              <a:t>Preventative Costs</a:t>
+              <a:t>Preventative </a:t>
+            </a:r>
+            <a:r>
+              <a:rPr lang="en-US" sz="2000" dirty="0" smtClean="0"/>
+              <a:t>Costs FM</a:t>
             </a:r>
             <a:endParaRPr lang="en-US" sz="2000" dirty="0">
               <a:solidFill>
@@ -4543,8 +4582,8 @@
           </a:xfrm>
           <a:prstGeom prst="bentConnector4">
             <a:avLst>
-              <a:gd name="adj1" fmla="val 8983"/>
-              <a:gd name="adj2" fmla="val 172852"/>
+              <a:gd name="adj1" fmla="val 45508"/>
+              <a:gd name="adj2" fmla="val 120566"/>
             </a:avLst>
           </a:prstGeom>
           <a:ln>
@@ -4657,7 +4696,9 @@
           <a:prstGeom prst="rect">
             <a:avLst/>
           </a:prstGeom>
-          <a:noFill/>
+          <a:solidFill>
+            <a:schemeClr val="accent6"/>
+          </a:solidFill>
           <a:ln w="19050">
             <a:solidFill>
               <a:srgbClr val="002060"/>
@@ -4680,11 +4721,7 @@
             </a:r>
             <a:r>
               <a:rPr lang="en-US" sz="2000" dirty="0" smtClean="0"/>
-              <a:t> </a:t>
-            </a:r>
-            <a:r>
-              <a:rPr lang="en-US" sz="2000" dirty="0" smtClean="0"/>
-              <a:t>forcing</a:t>
+              <a:t> forcing</a:t>
             </a:r>
           </a:p>
           <a:p>
@@ -4756,7 +4793,9 @@
           <a:prstGeom prst="rect">
             <a:avLst/>
           </a:prstGeom>
-          <a:noFill/>
+          <a:solidFill>
+            <a:schemeClr val="accent6"/>
+          </a:solidFill>
           <a:ln w="19050">
             <a:solidFill>
               <a:srgbClr val="002060"/>
@@ -4783,11 +4822,7 @@
             </a:r>
             <a:r>
               <a:rPr lang="en-US" sz="2000" dirty="0" smtClean="0"/>
-              <a:t> </a:t>
-            </a:r>
-            <a:r>
-              <a:rPr lang="en-US" sz="2000" dirty="0" smtClean="0"/>
-              <a:t>forcing</a:t>
+              <a:t> forcing</a:t>
             </a:r>
           </a:p>
           <a:p>
@@ -5111,7 +5146,7 @@
   <a:extraClrSchemeLst/>
   <a:extLst>
     <a:ext uri="{05A4C25C-085E-4340-85A3-A5531E510DB2}">
-      <thm15:themeFamily xmlns="" xmlns:thm15="http://schemas.microsoft.com/office/thememl/2012/main" name="Office Theme" id="{62F939B6-93AF-4DB8-9C6B-D6C7DFDC589F}" vid="{4A3C46E8-61CC-4603-A589-7422A47A8E4A}"/>
+      <thm15:themeFamily xmlns:thm15="http://schemas.microsoft.com/office/thememl/2012/main" name="Office Theme" id="{62F939B6-93AF-4DB8-9C6B-D6C7DFDC589F}" vid="{4A3C46E8-61CC-4603-A589-7422A47A8E4A}"/>
     </a:ext>
   </a:extLst>
 </a:theme>
